--- a/(2021.06.21) 1_파이썬 기초.pptx
+++ b/(2021.06.21) 1_파이썬 기초.pptx
@@ -170,7 +170,7 @@
   </p:defaultTextStyle>
   <p:extLst>
     <p:ext uri="{EFAFB233-063F-42B5-8137-9DF3F51BA10A}">
-      <p15:sldGuideLst xmlns:p15="http://schemas.microsoft.com/office/powerpoint/2012/main" xmlns="">
+      <p15:sldGuideLst xmlns="" xmlns:p15="http://schemas.microsoft.com/office/powerpoint/2012/main">
         <p15:guide id="1" orient="horz" pos="2160">
           <p15:clr>
             <a:srgbClr val="A4A3A4"/>
@@ -269,7 +269,7 @@
           <a:p>
             <a:fld id="{3C459228-D54E-41D2-99DB-BDE67F073FAA}" type="datetimeFigureOut">
               <a:rPr lang="ko-KR" altLang="en-US" smtClean="0"/>
-              <a:t>2021-06-14</a:t>
+              <a:t>2021-06-20</a:t>
             </a:fld>
             <a:endParaRPr lang="ko-KR" altLang="en-US"/>
           </a:p>
@@ -718,7 +718,7 @@
           <a:p>
             <a:fld id="{E24AB41E-F2E1-472E-801F-ADEE00375797}" type="datetime1">
               <a:rPr lang="ko-KR" altLang="en-US" smtClean="0"/>
-              <a:t>2021-06-14</a:t>
+              <a:t>2021-06-20</a:t>
             </a:fld>
             <a:endParaRPr lang="ko-KR" altLang="en-US"/>
           </a:p>
@@ -888,7 +888,7 @@
           <a:p>
             <a:fld id="{AC0B0CF4-6D5B-49BC-A4BB-1E2E4B541A8A}" type="datetime1">
               <a:rPr lang="ko-KR" altLang="en-US" smtClean="0"/>
-              <a:t>2021-06-14</a:t>
+              <a:t>2021-06-20</a:t>
             </a:fld>
             <a:endParaRPr lang="ko-KR" altLang="en-US"/>
           </a:p>
@@ -1068,7 +1068,7 @@
           <a:p>
             <a:fld id="{DB1A6BA7-85AF-4982-B5D0-99816C572608}" type="datetime1">
               <a:rPr lang="ko-KR" altLang="en-US" smtClean="0"/>
-              <a:t>2021-06-14</a:t>
+              <a:t>2021-06-20</a:t>
             </a:fld>
             <a:endParaRPr lang="ko-KR" altLang="en-US"/>
           </a:p>
@@ -1238,7 +1238,7 @@
           <a:p>
             <a:fld id="{39962B98-B733-4769-908C-31E18A2732E1}" type="datetime1">
               <a:rPr lang="ko-KR" altLang="en-US" smtClean="0"/>
-              <a:t>2021-06-14</a:t>
+              <a:t>2021-06-20</a:t>
             </a:fld>
             <a:endParaRPr lang="ko-KR" altLang="en-US"/>
           </a:p>
@@ -1484,7 +1484,7 @@
           <a:p>
             <a:fld id="{6CF75A56-97E3-4FD1-8FAF-E3EB9F5E8D9D}" type="datetime1">
               <a:rPr lang="ko-KR" altLang="en-US" smtClean="0"/>
-              <a:t>2021-06-14</a:t>
+              <a:t>2021-06-20</a:t>
             </a:fld>
             <a:endParaRPr lang="ko-KR" altLang="en-US"/>
           </a:p>
@@ -1772,7 +1772,7 @@
           <a:p>
             <a:fld id="{3D9415E2-F691-4100-A068-B021E47C650C}" type="datetime1">
               <a:rPr lang="ko-KR" altLang="en-US" smtClean="0"/>
-              <a:t>2021-06-14</a:t>
+              <a:t>2021-06-20</a:t>
             </a:fld>
             <a:endParaRPr lang="ko-KR" altLang="en-US"/>
           </a:p>
@@ -2194,7 +2194,7 @@
           <a:p>
             <a:fld id="{27F2EA4E-DF4D-4DEC-BBB4-D07BF60E26FF}" type="datetime1">
               <a:rPr lang="ko-KR" altLang="en-US" smtClean="0"/>
-              <a:t>2021-06-14</a:t>
+              <a:t>2021-06-20</a:t>
             </a:fld>
             <a:endParaRPr lang="ko-KR" altLang="en-US"/>
           </a:p>
@@ -2312,7 +2312,7 @@
           <a:p>
             <a:fld id="{11E6419E-CFF8-4DA0-9E6B-2C095ECC14FC}" type="datetime1">
               <a:rPr lang="ko-KR" altLang="en-US" smtClean="0"/>
-              <a:t>2021-06-14</a:t>
+              <a:t>2021-06-20</a:t>
             </a:fld>
             <a:endParaRPr lang="ko-KR" altLang="en-US"/>
           </a:p>
@@ -2407,7 +2407,7 @@
           <a:p>
             <a:fld id="{16368F49-B97C-4F67-9183-2319FDA2248F}" type="datetime1">
               <a:rPr lang="ko-KR" altLang="en-US" smtClean="0"/>
-              <a:t>2021-06-14</a:t>
+              <a:t>2021-06-20</a:t>
             </a:fld>
             <a:endParaRPr lang="ko-KR" altLang="en-US"/>
           </a:p>
@@ -2684,7 +2684,7 @@
           <a:p>
             <a:fld id="{8D9FF657-1B77-494B-B026-9A6FAA43F4D6}" type="datetime1">
               <a:rPr lang="ko-KR" altLang="en-US" smtClean="0"/>
-              <a:t>2021-06-14</a:t>
+              <a:t>2021-06-20</a:t>
             </a:fld>
             <a:endParaRPr lang="ko-KR" altLang="en-US"/>
           </a:p>
@@ -2937,7 +2937,7 @@
           <a:p>
             <a:fld id="{19543E51-4904-4ED2-B2C6-502D30D199DD}" type="datetime1">
               <a:rPr lang="ko-KR" altLang="en-US" smtClean="0"/>
-              <a:t>2021-06-14</a:t>
+              <a:t>2021-06-20</a:t>
             </a:fld>
             <a:endParaRPr lang="ko-KR" altLang="en-US"/>
           </a:p>
@@ -3150,7 +3150,7 @@
           <a:p>
             <a:fld id="{0B44C0BB-DBCF-4E34-9229-243EC73197DF}" type="datetime1">
               <a:rPr lang="ko-KR" altLang="en-US" smtClean="0"/>
-              <a:t>2021-06-14</a:t>
+              <a:t>2021-06-20</a:t>
             </a:fld>
             <a:endParaRPr lang="ko-KR" altLang="en-US"/>
           </a:p>
@@ -3588,7 +3588,6 @@
               <a:rPr lang="en-US" altLang="ko-KR" sz="2800" smtClean="0"/>
               <a:t>2021.6.21</a:t>
             </a:r>
-            <a:endParaRPr lang="en-US" altLang="ko-KR" sz="2800" smtClean="0"/>
           </a:p>
           <a:p>
             <a:r>
@@ -3894,60 +3893,6 @@
           </a:p>
         </p:txBody>
       </p:sp>
-      <p:pic>
-        <p:nvPicPr>
-          <p:cNvPr id="1026" name="Picture 2"/>
-          <p:cNvPicPr>
-            <a:picLocks noChangeAspect="1" noChangeArrowheads="1"/>
-          </p:cNvPicPr>
-          <p:nvPr/>
-        </p:nvPicPr>
-        <p:blipFill>
-          <a:blip r:embed="rId2">
-            <a:extLst>
-              <a:ext uri="{28A0092B-C50C-407E-A947-70E740481C1C}">
-                <a14:useLocalDpi xmlns:a14="http://schemas.microsoft.com/office/drawing/2010/main" val="0"/>
-              </a:ext>
-            </a:extLst>
-          </a:blip>
-          <a:srcRect/>
-          <a:stretch>
-            <a:fillRect/>
-          </a:stretch>
-        </p:blipFill>
-        <p:spPr bwMode="auto">
-          <a:xfrm>
-            <a:off x="2123728" y="2420888"/>
-            <a:ext cx="6819900" cy="4095750"/>
-          </a:xfrm>
-          <a:prstGeom prst="rect">
-            <a:avLst/>
-          </a:prstGeom>
-          <a:noFill/>
-          <a:ln>
-            <a:noFill/>
-          </a:ln>
-          <a:extLst>
-            <a:ext uri="{909E8E84-426E-40DD-AFC4-6F175D3DCCD1}">
-              <a14:hiddenFill xmlns:a14="http://schemas.microsoft.com/office/drawing/2010/main">
-                <a:solidFill>
-                  <a:schemeClr val="accent1"/>
-                </a:solidFill>
-              </a14:hiddenFill>
-            </a:ext>
-            <a:ext uri="{91240B29-F687-4F45-9708-019B960494DF}">
-              <a14:hiddenLine xmlns:a14="http://schemas.microsoft.com/office/drawing/2010/main" w="9525">
-                <a:solidFill>
-                  <a:schemeClr val="tx1"/>
-                </a:solidFill>
-                <a:miter lim="800000"/>
-                <a:headEnd/>
-                <a:tailEnd/>
-              </a14:hiddenLine>
-            </a:ext>
-          </a:extLst>
-        </p:spPr>
-      </p:pic>
       <p:sp>
         <p:nvSpPr>
           <p:cNvPr id="6" name="오른쪽 화살표 5"/>
@@ -3956,7 +3901,7 @@
         </p:nvSpPr>
         <p:spPr bwMode="auto">
           <a:xfrm>
-            <a:off x="1403336" y="6056421"/>
+            <a:off x="1979712" y="5733256"/>
             <a:ext cx="792088" cy="396915"/>
           </a:xfrm>
           <a:prstGeom prst="rightArrow">
@@ -4022,7 +3967,7 @@
         </p:nvSpPr>
         <p:spPr>
           <a:xfrm>
-            <a:off x="407226" y="4797152"/>
+            <a:off x="551242" y="5301208"/>
             <a:ext cx="1356462" cy="1200329"/>
           </a:xfrm>
           <a:prstGeom prst="rect">
@@ -4044,8 +3989,9 @@
           <a:p>
             <a:r>
               <a:rPr lang="en-US" altLang="ko-KR" smtClean="0"/>
-              <a:t>-5.1.0-</a:t>
-            </a:r>
+              <a:t>-2020.11-</a:t>
+            </a:r>
+            <a:endParaRPr lang="en-US" altLang="ko-KR" smtClean="0"/>
           </a:p>
           <a:p>
             <a:r>
@@ -4134,6 +4080,70 @@
           </a:p>
         </p:txBody>
       </p:sp>
+      <p:pic>
+        <p:nvPicPr>
+          <p:cNvPr id="3074" name="Picture 2"/>
+          <p:cNvPicPr>
+            <a:picLocks noChangeAspect="1" noChangeArrowheads="1"/>
+          </p:cNvPicPr>
+          <p:nvPr/>
+        </p:nvPicPr>
+        <p:blipFill>
+          <a:blip r:embed="rId2">
+            <a:extLst>
+              <a:ext uri="{28A0092B-C50C-407E-A947-70E740481C1C}">
+                <a14:useLocalDpi xmlns:a14="http://schemas.microsoft.com/office/drawing/2010/main" val="0"/>
+              </a:ext>
+            </a:extLst>
+          </a:blip>
+          <a:srcRect/>
+          <a:stretch>
+            <a:fillRect/>
+          </a:stretch>
+        </p:blipFill>
+        <p:spPr bwMode="auto">
+          <a:xfrm>
+            <a:off x="2771800" y="2750796"/>
+            <a:ext cx="4724400" cy="3276600"/>
+          </a:xfrm>
+          <a:prstGeom prst="rect">
+            <a:avLst/>
+          </a:prstGeom>
+          <a:noFill/>
+          <a:ln>
+            <a:noFill/>
+          </a:ln>
+          <a:effectLst/>
+          <a:extLst>
+            <a:ext uri="{909E8E84-426E-40DD-AFC4-6F175D3DCCD1}">
+              <a14:hiddenFill xmlns:a14="http://schemas.microsoft.com/office/drawing/2010/main">
+                <a:solidFill>
+                  <a:schemeClr val="accent1"/>
+                </a:solidFill>
+              </a14:hiddenFill>
+            </a:ext>
+            <a:ext uri="{91240B29-F687-4F45-9708-019B960494DF}">
+              <a14:hiddenLine xmlns:a14="http://schemas.microsoft.com/office/drawing/2010/main" w="9525">
+                <a:solidFill>
+                  <a:schemeClr val="tx1"/>
+                </a:solidFill>
+                <a:miter lim="800000"/>
+                <a:headEnd/>
+                <a:tailEnd/>
+              </a14:hiddenLine>
+            </a:ext>
+            <a:ext uri="{AF507438-7753-43E0-B8FC-AC1667EBCBE1}">
+              <a14:hiddenEffects xmlns:a14="http://schemas.microsoft.com/office/drawing/2010/main">
+                <a:effectLst>
+                  <a:outerShdw dist="35921" dir="2700000" algn="ctr" rotWithShape="0">
+                    <a:schemeClr val="bg2"/>
+                  </a:outerShdw>
+                </a:effectLst>
+              </a14:hiddenEffects>
+            </a:ext>
+          </a:extLst>
+        </p:spPr>
+      </p:pic>
     </p:spTree>
     <p:extLst>
       <p:ext uri="{BB962C8B-B14F-4D97-AF65-F5344CB8AC3E}">
@@ -4212,8 +4222,8 @@
           <a:lstStyle/>
           <a:p>
             <a:r>
-              <a:rPr lang="en-US" altLang="ko-KR" sz="2400"/>
-              <a:t>Anaconda3-5.1.0-Windows-x86_64.exe </a:t>
+              <a:rPr lang="en-US" altLang="ko-KR" sz="2400" smtClean="0"/>
+              <a:t>Anaconda3-2020.11-Windows-x86_64.exe </a:t>
             </a:r>
             <a:r>
               <a:rPr lang="ko-KR" altLang="en-US" sz="2400"/>
@@ -12100,7 +12110,7 @@
             </a:r>
             <a:r>
               <a:rPr lang="en-US" altLang="ko-KR" sz="2000" smtClean="0"/>
-              <a:t>2019 </a:t>
+              <a:t>2020 </a:t>
             </a:r>
             <a:r>
               <a:rPr lang="en-US" altLang="ko-KR" sz="2000"/>
@@ -12124,8 +12134,8 @@
         </p:nvSpPr>
         <p:spPr bwMode="auto">
           <a:xfrm>
-            <a:off x="4499992" y="6093296"/>
-            <a:ext cx="3124200" cy="461665"/>
+            <a:off x="3995936" y="5949280"/>
+            <a:ext cx="4132312" cy="830997"/>
           </a:xfrm>
           <a:prstGeom prst="rect">
             <a:avLst/>
@@ -12155,7 +12165,7 @@
           </a:extLst>
         </p:spPr>
         <p:txBody>
-          <a:bodyPr>
+          <a:bodyPr wrap="square">
             <a:spAutoFit/>
           </a:bodyPr>
           <a:lstStyle>
@@ -12262,7 +12272,17 @@
               <a:rPr lang="en-US" altLang="ko-KR" sz="1200">
                 <a:hlinkClick r:id="rId2"/>
               </a:rPr>
-              <a:t>https://spectrum.ieee.org/static/interactive-the-top-programming-languages-2019</a:t>
+              <a:t>https://spectrum.ieee.org/at-work/tech-careers/top-programming-language-2020#:~:</a:t>
+            </a:r>
+            <a:r>
+              <a:rPr lang="en-US" altLang="ko-KR" sz="1200">
+                <a:hlinkClick r:id="rId2"/>
+              </a:rPr>
+              <a:t>text=Our%20default%20ranking%20is%20weighted,from%2011th%20place%20to%20seventh</a:t>
+            </a:r>
+            <a:r>
+              <a:rPr lang="en-US" altLang="ko-KR" sz="1200" smtClean="0"/>
+              <a:t>. </a:t>
             </a:r>
             <a:endParaRPr lang="ko-KR" altLang="en-US" sz="1200"/>
           </a:p>
@@ -12398,19 +12418,31 @@
               <a:t>자바와 </a:t>
             </a:r>
             <a:r>
-              <a:rPr lang="en-US" altLang="ko-KR" sz="1200"/>
+              <a:rPr lang="en-US" altLang="ko-KR" sz="1200" smtClean="0"/>
               <a:t>C</a:t>
             </a:r>
             <a:r>
+              <a:rPr lang="ko-KR" altLang="en-US" sz="1200" smtClean="0"/>
+              <a:t>에 익숙한 개발자들도 가능하면</a:t>
+            </a:r>
+            <a:r>
+              <a:rPr lang="en-US" altLang="ko-KR" sz="1200" smtClean="0"/>
+              <a:t/>
+            </a:r>
+            <a:br>
+              <a:rPr lang="en-US" altLang="ko-KR" sz="1200" smtClean="0"/>
+            </a:br>
+            <a:r>
+              <a:rPr lang="en-US" altLang="ko-KR" sz="1200" smtClean="0"/>
+              <a:t>  </a:t>
+            </a:r>
+            <a:r>
+              <a:rPr lang="ko-KR" altLang="en-US" sz="1200" smtClean="0"/>
+              <a:t>파이썬을 쓰고 싶어 한다</a:t>
+            </a:r>
+            <a:r>
               <a:rPr lang="ko-KR" altLang="en-US" sz="1200"/>
-              <a:t>에 지친 사람들이 파이썬으로</a:t>
-            </a:r>
-            <a:br>
-              <a:rPr lang="ko-KR" altLang="en-US" sz="1200"/>
-            </a:br>
-            <a:r>
-              <a:rPr lang="ko-KR" altLang="en-US" sz="1200"/>
-              <a:t>  몰려들고 있다</a:t>
+              <a:t/>
             </a:r>
             <a:br>
               <a:rPr lang="ko-KR" altLang="en-US" sz="1200"/>
@@ -12540,9 +12572,32 @@
           </a:p>
         </p:txBody>
       </p:sp>
+      <p:sp>
+        <p:nvSpPr>
+          <p:cNvPr id="7" name="슬라이드 번호 개체 틀 6"/>
+          <p:cNvSpPr>
+            <a:spLocks noGrp="1"/>
+          </p:cNvSpPr>
+          <p:nvPr>
+            <p:ph type="sldNum" sz="quarter" idx="12"/>
+          </p:nvPr>
+        </p:nvSpPr>
+        <p:spPr/>
+        <p:txBody>
+          <a:bodyPr/>
+          <a:lstStyle/>
+          <a:p>
+            <a:fld id="{357088A8-2B9D-4DC9-B0B9-8C58147EB3EC}" type="slidenum">
+              <a:rPr lang="ko-KR" altLang="en-US" smtClean="0"/>
+              <a:t>3</a:t>
+            </a:fld>
+            <a:endParaRPr lang="ko-KR" altLang="en-US"/>
+          </a:p>
+        </p:txBody>
+      </p:sp>
       <p:pic>
         <p:nvPicPr>
-          <p:cNvPr id="4" name="Picture 2"/>
+          <p:cNvPr id="1028" name="Picture 4"/>
           <p:cNvPicPr>
             <a:picLocks noChangeAspect="1" noChangeArrowheads="1"/>
           </p:cNvPicPr>
@@ -12563,8 +12618,8 @@
         </p:blipFill>
         <p:spPr bwMode="auto">
           <a:xfrm>
-            <a:off x="899592" y="1102568"/>
-            <a:ext cx="3076575" cy="5638800"/>
+            <a:off x="395536" y="2113350"/>
+            <a:ext cx="3440284" cy="3992166"/>
           </a:xfrm>
           <a:prstGeom prst="rect">
             <a:avLst/>
@@ -12573,6 +12628,7 @@
           <a:ln>
             <a:noFill/>
           </a:ln>
+          <a:effectLst/>
           <a:extLst>
             <a:ext uri="{909E8E84-426E-40DD-AFC4-6F175D3DCCD1}">
               <a14:hiddenFill xmlns:a14="http://schemas.microsoft.com/office/drawing/2010/main">
@@ -12591,32 +12647,18 @@
                 <a:tailEnd/>
               </a14:hiddenLine>
             </a:ext>
+            <a:ext uri="{AF507438-7753-43E0-B8FC-AC1667EBCBE1}">
+              <a14:hiddenEffects xmlns:a14="http://schemas.microsoft.com/office/drawing/2010/main">
+                <a:effectLst>
+                  <a:outerShdw dist="35921" dir="2700000" algn="ctr" rotWithShape="0">
+                    <a:schemeClr val="bg2"/>
+                  </a:outerShdw>
+                </a:effectLst>
+              </a14:hiddenEffects>
+            </a:ext>
           </a:extLst>
         </p:spPr>
       </p:pic>
-      <p:sp>
-        <p:nvSpPr>
-          <p:cNvPr id="7" name="슬라이드 번호 개체 틀 6"/>
-          <p:cNvSpPr>
-            <a:spLocks noGrp="1"/>
-          </p:cNvSpPr>
-          <p:nvPr>
-            <p:ph type="sldNum" sz="quarter" idx="12"/>
-          </p:nvPr>
-        </p:nvSpPr>
-        <p:spPr/>
-        <p:txBody>
-          <a:bodyPr/>
-          <a:lstStyle/>
-          <a:p>
-            <a:fld id="{357088A8-2B9D-4DC9-B0B9-8C58147EB3EC}" type="slidenum">
-              <a:rPr lang="ko-KR" altLang="en-US" smtClean="0"/>
-              <a:t>3</a:t>
-            </a:fld>
-            <a:endParaRPr lang="ko-KR" altLang="en-US"/>
-          </a:p>
-        </p:txBody>
-      </p:sp>
     </p:spTree>
     <p:extLst>
       <p:ext uri="{BB962C8B-B14F-4D97-AF65-F5344CB8AC3E}">
@@ -13458,28 +13500,28 @@
                 <a:gridCol w="1524000">
                   <a:extLst>
                     <a:ext uri="{9D8B030D-6E8A-4147-A177-3AD203B41FA5}">
-                      <a16:colId xmlns:a16="http://schemas.microsoft.com/office/drawing/2014/main" xmlns="" val="20000"/>
+                      <a16:colId xmlns="" xmlns:a16="http://schemas.microsoft.com/office/drawing/2014/main" val="20000"/>
                     </a:ext>
                   </a:extLst>
                 </a:gridCol>
                 <a:gridCol w="1524000">
                   <a:extLst>
                     <a:ext uri="{9D8B030D-6E8A-4147-A177-3AD203B41FA5}">
-                      <a16:colId xmlns:a16="http://schemas.microsoft.com/office/drawing/2014/main" xmlns="" val="20001"/>
+                      <a16:colId xmlns="" xmlns:a16="http://schemas.microsoft.com/office/drawing/2014/main" val="20001"/>
                     </a:ext>
                   </a:extLst>
                 </a:gridCol>
                 <a:gridCol w="1524000">
                   <a:extLst>
                     <a:ext uri="{9D8B030D-6E8A-4147-A177-3AD203B41FA5}">
-                      <a16:colId xmlns:a16="http://schemas.microsoft.com/office/drawing/2014/main" xmlns="" val="20002"/>
+                      <a16:colId xmlns="" xmlns:a16="http://schemas.microsoft.com/office/drawing/2014/main" val="20002"/>
                     </a:ext>
                   </a:extLst>
                 </a:gridCol>
                 <a:gridCol w="1524000">
                   <a:extLst>
                     <a:ext uri="{9D8B030D-6E8A-4147-A177-3AD203B41FA5}">
-                      <a16:colId xmlns:a16="http://schemas.microsoft.com/office/drawing/2014/main" xmlns="" val="20003"/>
+                      <a16:colId xmlns="" xmlns:a16="http://schemas.microsoft.com/office/drawing/2014/main" val="20003"/>
                     </a:ext>
                   </a:extLst>
                 </a:gridCol>
@@ -13547,7 +13589,7 @@
                 </a:tc>
                 <a:extLst>
                   <a:ext uri="{0D108BD9-81ED-4DB2-BD59-A6C34878D82A}">
-                    <a16:rowId xmlns:a16="http://schemas.microsoft.com/office/drawing/2014/main" xmlns="" val="10000"/>
+                    <a16:rowId xmlns="" xmlns:a16="http://schemas.microsoft.com/office/drawing/2014/main" val="10000"/>
                   </a:ext>
                 </a:extLst>
               </a:tr>
@@ -13614,7 +13656,7 @@
                 </a:tc>
                 <a:extLst>
                   <a:ext uri="{0D108BD9-81ED-4DB2-BD59-A6C34878D82A}">
-                    <a16:rowId xmlns:a16="http://schemas.microsoft.com/office/drawing/2014/main" xmlns="" val="10001"/>
+                    <a16:rowId xmlns="" xmlns:a16="http://schemas.microsoft.com/office/drawing/2014/main" val="10001"/>
                   </a:ext>
                 </a:extLst>
               </a:tr>
@@ -13681,7 +13723,7 @@
                 </a:tc>
                 <a:extLst>
                   <a:ext uri="{0D108BD9-81ED-4DB2-BD59-A6C34878D82A}">
-                    <a16:rowId xmlns:a16="http://schemas.microsoft.com/office/drawing/2014/main" xmlns="" val="10002"/>
+                    <a16:rowId xmlns="" xmlns:a16="http://schemas.microsoft.com/office/drawing/2014/main" val="10002"/>
                   </a:ext>
                 </a:extLst>
               </a:tr>
@@ -13748,7 +13790,7 @@
                 </a:tc>
                 <a:extLst>
                   <a:ext uri="{0D108BD9-81ED-4DB2-BD59-A6C34878D82A}">
-                    <a16:rowId xmlns:a16="http://schemas.microsoft.com/office/drawing/2014/main" xmlns="" val="10003"/>
+                    <a16:rowId xmlns="" xmlns:a16="http://schemas.microsoft.com/office/drawing/2014/main" val="10003"/>
                   </a:ext>
                 </a:extLst>
               </a:tr>
@@ -20935,13 +20977,6 @@
           <a:p>
             <a:pPr lvl="1"/>
             <a:r>
-              <a:rPr lang="en-US" altLang="ko-KR" sz="1600" smtClean="0"/>
-              <a:t>Python Cookbook</a:t>
-            </a:r>
-          </a:p>
-          <a:p>
-            <a:pPr lvl="1"/>
-            <a:r>
               <a:rPr lang="ko-KR" altLang="en-US" sz="1600" smtClean="0"/>
               <a:t>파이썬 </a:t>
             </a:r>
@@ -20986,18 +21021,9 @@
           <a:p>
             <a:pPr lvl="1"/>
             <a:r>
-              <a:rPr lang="ko-KR" altLang="en-US" sz="1600" smtClean="0"/>
-              <a:t>파이썬 </a:t>
-            </a:r>
-            <a:r>
-              <a:rPr lang="ko-KR" altLang="en-US" sz="1600"/>
-              <a:t>라이브러리를 활용한 </a:t>
-            </a:r>
-            <a:r>
-              <a:rPr lang="ko-KR" altLang="en-US" sz="1600" smtClean="0"/>
-              <a:t>머신러닝</a:t>
-            </a:r>
-            <a:endParaRPr lang="ko-KR" altLang="en-US" sz="1600"/>
+              <a:rPr lang="en-US" altLang="ko-KR" sz="1600"/>
+              <a:t>Python Cookbook</a:t>
+            </a:r>
           </a:p>
         </p:txBody>
       </p:sp>
@@ -21024,7 +21050,7 @@
         </p:blipFill>
         <p:spPr bwMode="auto">
           <a:xfrm>
-            <a:off x="6516216" y="2264264"/>
+            <a:off x="6516216" y="2132856"/>
             <a:ext cx="1111656" cy="1541974"/>
           </a:xfrm>
           <a:prstGeom prst="rect">
@@ -21070,54 +21096,8 @@
         </p:blipFill>
         <p:spPr bwMode="auto">
           <a:xfrm>
-            <a:off x="7800948" y="3968936"/>
+            <a:off x="6551770" y="3839266"/>
             <a:ext cx="1019524" cy="1304990"/>
-          </a:xfrm>
-          <a:prstGeom prst="rect">
-            <a:avLst/>
-          </a:prstGeom>
-          <a:noFill/>
-          <a:ln w="3175">
-            <a:solidFill>
-              <a:schemeClr val="tx1"/>
-            </a:solidFill>
-          </a:ln>
-          <a:extLst>
-            <a:ext uri="{909E8E84-426E-40DD-AFC4-6F175D3DCCD1}">
-              <a14:hiddenFill xmlns:a14="http://schemas.microsoft.com/office/drawing/2010/main">
-                <a:solidFill>
-                  <a:srgbClr val="FFFFFF"/>
-                </a:solidFill>
-              </a14:hiddenFill>
-            </a:ext>
-          </a:extLst>
-        </p:spPr>
-      </p:pic>
-      <p:pic>
-        <p:nvPicPr>
-          <p:cNvPr id="9" name="Picture 10" descr="http://image.aladin.co.kr/product/11215/83/cover150/8968483396_1.jpg"/>
-          <p:cNvPicPr>
-            <a:picLocks noChangeAspect="1" noChangeArrowheads="1"/>
-          </p:cNvPicPr>
-          <p:nvPr/>
-        </p:nvPicPr>
-        <p:blipFill>
-          <a:blip r:embed="rId9">
-            <a:extLst>
-              <a:ext uri="{28A0092B-C50C-407E-A947-70E740481C1C}">
-                <a14:useLocalDpi xmlns:a14="http://schemas.microsoft.com/office/drawing/2010/main" val="0"/>
-              </a:ext>
-            </a:extLst>
-          </a:blip>
-          <a:srcRect/>
-          <a:stretch>
-            <a:fillRect/>
-          </a:stretch>
-        </p:blipFill>
-        <p:spPr bwMode="auto">
-          <a:xfrm>
-            <a:off x="7831900" y="5443606"/>
-            <a:ext cx="957620" cy="1225754"/>
           </a:xfrm>
           <a:prstGeom prst="rect">
             <a:avLst/>
@@ -21148,7 +21128,7 @@
           <p:nvPr/>
         </p:nvPicPr>
         <p:blipFill>
-          <a:blip r:embed="rId10">
+          <a:blip r:embed="rId9">
             <a:extLst>
               <a:ext uri="{28A0092B-C50C-407E-A947-70E740481C1C}">
                 <a14:useLocalDpi xmlns:a14="http://schemas.microsoft.com/office/drawing/2010/main" val="0"/>
@@ -21162,7 +21142,7 @@
         </p:blipFill>
         <p:spPr bwMode="auto">
           <a:xfrm>
-            <a:off x="6683168" y="5443606"/>
+            <a:off x="7812360" y="3839266"/>
             <a:ext cx="961010" cy="1242908"/>
           </a:xfrm>
           <a:prstGeom prst="rect">
@@ -21194,7 +21174,7 @@
           <p:nvPr/>
         </p:nvPicPr>
         <p:blipFill>
-          <a:blip r:embed="rId11">
+          <a:blip r:embed="rId10">
             <a:extLst>
               <a:ext uri="{28A0092B-C50C-407E-A947-70E740481C1C}">
                 <a14:useLocalDpi xmlns:a14="http://schemas.microsoft.com/office/drawing/2010/main" val="0"/>
@@ -21235,7 +21215,7 @@
           <p:nvPr/>
         </p:nvPicPr>
         <p:blipFill>
-          <a:blip r:embed="rId12">
+          <a:blip r:embed="rId11">
             <a:extLst>
               <a:ext uri="{28A0092B-C50C-407E-A947-70E740481C1C}">
                 <a14:useLocalDpi xmlns:a14="http://schemas.microsoft.com/office/drawing/2010/main" val="0"/>
@@ -21249,7 +21229,7 @@
         </p:blipFill>
         <p:spPr bwMode="auto">
           <a:xfrm>
-            <a:off x="6653910" y="3924755"/>
+            <a:off x="6516216" y="5288616"/>
             <a:ext cx="1019526" cy="1393352"/>
           </a:xfrm>
           <a:prstGeom prst="rect">
@@ -21281,7 +21261,7 @@
           <p:nvPr/>
         </p:nvPicPr>
         <p:blipFill>
-          <a:blip r:embed="rId13" cstate="print">
+          <a:blip r:embed="rId12" cstate="print">
             <a:extLst>
               <a:ext uri="{28A0092B-C50C-407E-A947-70E740481C1C}">
                 <a14:useLocalDpi xmlns:a14="http://schemas.microsoft.com/office/drawing/2010/main" val="0"/>
@@ -21295,7 +21275,7 @@
         </p:blipFill>
         <p:spPr bwMode="auto">
           <a:xfrm>
-            <a:off x="7757880" y="2264264"/>
+            <a:off x="7757880" y="2132856"/>
             <a:ext cx="1127586" cy="1541974"/>
           </a:xfrm>
           <a:prstGeom prst="rect">
@@ -21328,7 +21308,12 @@
             <p:ph type="sldNum" sz="quarter" idx="12"/>
           </p:nvPr>
         </p:nvSpPr>
-        <p:spPr/>
+        <p:spPr>
+          <a:xfrm>
+            <a:off x="6553200" y="6296950"/>
+            <a:ext cx="2133600" cy="365125"/>
+          </a:xfrm>
+        </p:spPr>
         <p:txBody>
           <a:bodyPr/>
           <a:lstStyle/>
@@ -27562,28 +27547,27 @@
           <a:p>
             <a:r>
               <a:rPr lang="en-US" altLang="ko-KR" sz="2000" smtClean="0"/>
-              <a:t>Python 3.6.8</a:t>
-            </a:r>
+              <a:t>Python </a:t>
+            </a:r>
+            <a:r>
+              <a:rPr lang="en-US" altLang="ko-KR" sz="2000" smtClean="0"/>
+              <a:t>3.6.8</a:t>
+            </a:r>
+            <a:endParaRPr lang="en-US" altLang="ko-KR" sz="2000" smtClean="0"/>
           </a:p>
           <a:p>
             <a:pPr lvl="1"/>
             <a:r>
-              <a:rPr lang="en-US" altLang="ko-KR" sz="1600" smtClean="0">
-                <a:hlinkClick r:id="rId3"/>
-              </a:rPr>
+              <a:rPr lang="en-US" altLang="ko-KR" sz="1600"/>
               <a:t>https</a:t>
             </a:r>
             <a:r>
-              <a:rPr lang="en-US" altLang="ko-KR" sz="1600">
-                <a:hlinkClick r:id="rId3"/>
-              </a:rPr>
-              <a:t>://www.python.org/downloads/release/python-368</a:t>
-            </a:r>
-            <a:r>
-              <a:rPr lang="en-US" altLang="ko-KR" sz="1600" smtClean="0">
-                <a:hlinkClick r:id="rId3"/>
-              </a:rPr>
-              <a:t>/</a:t>
+              <a:rPr lang="en-US" altLang="ko-KR" sz="1600"/>
+              <a:t>://</a:t>
+            </a:r>
+            <a:r>
+              <a:rPr lang="en-US" altLang="ko-KR" sz="1600" smtClean="0"/>
+              <a:t>www.python.org/downloads/release</a:t>
             </a:r>
             <a:endParaRPr lang="en-US" altLang="ko-KR" sz="1600" smtClean="0"/>
           </a:p>
@@ -27597,7 +27581,7 @@
           <a:p>
             <a:pPr lvl="1"/>
             <a:r>
-              <a:rPr lang="en-US" altLang="ko-KR" sz="1600"/>
+              <a:rPr lang="en-US" altLang="ko-KR" sz="1600" smtClean="0"/>
               <a:t>python-3.6.8-amd64.exe</a:t>
             </a:r>
           </a:p>
